--- a/images/resources/icons.pptx
+++ b/images/resources/icons.pptx
@@ -5,11 +5,12 @@
     <p:sldMasterId id="2147483672" r:id="rId1"/>
   </p:sldMasterIdLst>
   <p:notesMasterIdLst>
-    <p:notesMasterId r:id="rId4"/>
+    <p:notesMasterId r:id="rId5"/>
   </p:notesMasterIdLst>
   <p:sldIdLst>
     <p:sldId id="388" r:id="rId2"/>
     <p:sldId id="389" r:id="rId3"/>
+    <p:sldId id="390" r:id="rId4"/>
   </p:sldIdLst>
   <p:sldSz cx="5486400" cy="5486400"/>
   <p:notesSz cx="6858000" cy="9144000"/>
@@ -3860,6 +3861,145 @@
     <p:extLst>
       <p:ext uri="{BB962C8B-B14F-4D97-AF65-F5344CB8AC3E}">
         <p14:creationId xmlns:p14="http://schemas.microsoft.com/office/powerpoint/2010/main" val="1681447904"/>
+      </p:ext>
+    </p:extLst>
+  </p:cSld>
+  <p:clrMapOvr>
+    <a:masterClrMapping/>
+  </p:clrMapOvr>
+</p:sld>
+</file>
+
+<file path=ppt/slides/slide3.xml><?xml version="1.0" encoding="utf-8"?>
+<p:sld xmlns:a="http://schemas.openxmlformats.org/drawingml/2006/main" xmlns:r="http://schemas.openxmlformats.org/officeDocument/2006/relationships" xmlns:p="http://schemas.openxmlformats.org/presentationml/2006/main">
+  <p:cSld>
+    <p:spTree>
+      <p:nvGrpSpPr>
+        <p:cNvPr id="1" name=""/>
+        <p:cNvGrpSpPr/>
+        <p:nvPr/>
+      </p:nvGrpSpPr>
+      <p:grpSpPr>
+        <a:xfrm>
+          <a:off x="0" y="0"/>
+          <a:ext cx="0" cy="0"/>
+          <a:chOff x="0" y="0"/>
+          <a:chExt cx="0" cy="0"/>
+        </a:xfrm>
+      </p:grpSpPr>
+      <p:grpSp>
+        <p:nvGrpSpPr>
+          <p:cNvPr id="5" name="Group 4">
+            <a:extLst>
+              <a:ext uri="{FF2B5EF4-FFF2-40B4-BE49-F238E27FC236}">
+                <a16:creationId xmlns:a16="http://schemas.microsoft.com/office/drawing/2014/main" id="{74EEB6FD-F2A7-4261-B79B-5FBF4ED4B4ED}"/>
+              </a:ext>
+            </a:extLst>
+          </p:cNvPr>
+          <p:cNvGrpSpPr/>
+          <p:nvPr/>
+        </p:nvGrpSpPr>
+        <p:grpSpPr>
+          <a:xfrm>
+            <a:off x="585216" y="380391"/>
+            <a:ext cx="4315968" cy="4590288"/>
+            <a:chOff x="585216" y="380391"/>
+            <a:chExt cx="4315968" cy="4590288"/>
+          </a:xfrm>
+        </p:grpSpPr>
+        <p:sp>
+          <p:nvSpPr>
+            <p:cNvPr id="2" name="Octagon 1">
+              <a:extLst>
+                <a:ext uri="{FF2B5EF4-FFF2-40B4-BE49-F238E27FC236}">
+                  <a16:creationId xmlns:a16="http://schemas.microsoft.com/office/drawing/2014/main" id="{C1BB6045-B558-44E6-85D1-2D4C66D406EB}"/>
+                </a:ext>
+              </a:extLst>
+            </p:cNvPr>
+            <p:cNvSpPr/>
+            <p:nvPr/>
+          </p:nvSpPr>
+          <p:spPr>
+            <a:xfrm>
+              <a:off x="585216" y="515722"/>
+              <a:ext cx="4315968" cy="4454957"/>
+            </a:xfrm>
+            <a:prstGeom prst="octagon">
+              <a:avLst/>
+            </a:prstGeom>
+            <a:solidFill>
+              <a:srgbClr val="F05E5E"/>
+            </a:solidFill>
+            <a:ln>
+              <a:noFill/>
+            </a:ln>
+          </p:spPr>
+          <p:style>
+            <a:lnRef idx="2">
+              <a:schemeClr val="accent1">
+                <a:shade val="50000"/>
+              </a:schemeClr>
+            </a:lnRef>
+            <a:fillRef idx="1">
+              <a:schemeClr val="accent1"/>
+            </a:fillRef>
+            <a:effectRef idx="0">
+              <a:schemeClr val="accent1"/>
+            </a:effectRef>
+            <a:fontRef idx="minor">
+              <a:schemeClr val="lt1"/>
+            </a:fontRef>
+          </p:style>
+          <p:txBody>
+            <a:bodyPr rtlCol="0" anchor="ctr"/>
+            <a:lstStyle/>
+            <a:p>
+              <a:pPr algn="ctr"/>
+              <a:endParaRPr lang="en-US"/>
+            </a:p>
+          </p:txBody>
+        </p:sp>
+        <p:pic>
+          <p:nvPicPr>
+            <p:cNvPr id="4" name="Picture 3">
+              <a:extLst>
+                <a:ext uri="{FF2B5EF4-FFF2-40B4-BE49-F238E27FC236}">
+                  <a16:creationId xmlns:a16="http://schemas.microsoft.com/office/drawing/2014/main" id="{3AE44BF6-76B0-4AC7-A81F-7C136E388AD7}"/>
+                </a:ext>
+              </a:extLst>
+            </p:cNvPr>
+            <p:cNvPicPr>
+              <a:picLocks noChangeAspect="1"/>
+            </p:cNvPicPr>
+            <p:nvPr/>
+          </p:nvPicPr>
+          <p:blipFill>
+            <a:blip r:embed="rId2">
+              <a:extLst>
+                <a:ext uri="{28A0092B-C50C-407E-A947-70E740481C1C}">
+                  <a14:useLocalDpi xmlns:a14="http://schemas.microsoft.com/office/drawing/2010/main" val="0"/>
+                </a:ext>
+              </a:extLst>
+            </a:blip>
+            <a:stretch>
+              <a:fillRect/>
+            </a:stretch>
+          </p:blipFill>
+          <p:spPr>
+            <a:xfrm>
+              <a:off x="753467" y="380391"/>
+              <a:ext cx="4096512" cy="4096512"/>
+            </a:xfrm>
+            <a:prstGeom prst="rect">
+              <a:avLst/>
+            </a:prstGeom>
+          </p:spPr>
+        </p:pic>
+      </p:grpSp>
+    </p:spTree>
+    <p:extLst>
+      <p:ext uri="{BB962C8B-B14F-4D97-AF65-F5344CB8AC3E}">
+        <p14:creationId xmlns:p14="http://schemas.microsoft.com/office/powerpoint/2010/main" val="2786976190"/>
       </p:ext>
     </p:extLst>
   </p:cSld>
